--- a/HackPSU.pptx
+++ b/HackPSU.pptx
@@ -3410,7 +3410,7 @@
         <p:spPr>
           <a:xfrm>
             <a:off x="6066138" y="4919008"/>
-            <a:ext cx="6125862" cy="1938992"/>
+            <a:ext cx="6125862" cy="1815882"/>
           </a:xfrm>
           <a:prstGeom prst="rect">
             <a:avLst/>
@@ -3437,16 +3437,16 @@
           <a:lstStyle/>
           <a:p>
             <a:r>
-              <a:rPr lang="en-US" sz="2000" dirty="0"/>
-              <a:t>We used </a:t>
-            </a:r>
-            <a:r>
-              <a:rPr lang="en-US" sz="2000" dirty="0" err="1"/>
-              <a:t>SwiftUI</a:t>
-            </a:r>
-            <a:r>
-              <a:rPr lang="en-US" sz="2000" dirty="0"/>
-              <a:t> to develop an Apple iOS application, and integrated Firebase’s RESTful API to interface with our NoSQL backend database, which we hosted as a Firebase Realtime Database via Google Cloud. We use local algorithms to pair users based on location and time, and store user data in Firebase as JSON.</a:t>
+              <a:rPr lang="en-US" sz="1600" dirty="0"/>
+              <a:t>We used Swift UI to develop an Apple iOS application, and integrated this with a custom Node.JS backend running on a multi-node Kubernetes cluster, with Oracle Cloud servers in US West and US East to ensure low latency. The backend interfaces with the </a:t>
+            </a:r>
+            <a:r>
+              <a:rPr lang="en-US" sz="1600" dirty="0" err="1"/>
+              <a:t>LogMeal</a:t>
+            </a:r>
+            <a:r>
+              <a:rPr lang="en-US" sz="1600" dirty="0"/>
+              <a:t> image segmentation machine learning service, which isolates and identifies specific foods. Nutritional information is parsed, and returned to the user in a simple, intuitive UI.</a:t>
             </a:r>
           </a:p>
         </p:txBody>

--- a/HackPSU.pptx
+++ b/HackPSU.pptx
@@ -255,7 +255,7 @@
           <a:p>
             <a:fld id="{846CE7D5-CF57-46EF-B807-FDD0502418D4}" type="datetimeFigureOut">
               <a:rPr lang="en-US" smtClean="0"/>
-              <a:t>10/21/2023</a:t>
+              <a:t>10/22/2023</a:t>
             </a:fld>
             <a:endParaRPr lang="en-US"/>
           </a:p>
@@ -425,7 +425,7 @@
           <a:p>
             <a:fld id="{846CE7D5-CF57-46EF-B807-FDD0502418D4}" type="datetimeFigureOut">
               <a:rPr lang="en-US" smtClean="0"/>
-              <a:t>10/21/2023</a:t>
+              <a:t>10/22/2023</a:t>
             </a:fld>
             <a:endParaRPr lang="en-US"/>
           </a:p>
@@ -605,7 +605,7 @@
           <a:p>
             <a:fld id="{846CE7D5-CF57-46EF-B807-FDD0502418D4}" type="datetimeFigureOut">
               <a:rPr lang="en-US" smtClean="0"/>
-              <a:t>10/21/2023</a:t>
+              <a:t>10/22/2023</a:t>
             </a:fld>
             <a:endParaRPr lang="en-US"/>
           </a:p>
@@ -775,7 +775,7 @@
           <a:p>
             <a:fld id="{846CE7D5-CF57-46EF-B807-FDD0502418D4}" type="datetimeFigureOut">
               <a:rPr lang="en-US" smtClean="0"/>
-              <a:t>10/21/2023</a:t>
+              <a:t>10/22/2023</a:t>
             </a:fld>
             <a:endParaRPr lang="en-US"/>
           </a:p>
@@ -1021,7 +1021,7 @@
           <a:p>
             <a:fld id="{846CE7D5-CF57-46EF-B807-FDD0502418D4}" type="datetimeFigureOut">
               <a:rPr lang="en-US" smtClean="0"/>
-              <a:t>10/21/2023</a:t>
+              <a:t>10/22/2023</a:t>
             </a:fld>
             <a:endParaRPr lang="en-US"/>
           </a:p>
@@ -1253,7 +1253,7 @@
           <a:p>
             <a:fld id="{846CE7D5-CF57-46EF-B807-FDD0502418D4}" type="datetimeFigureOut">
               <a:rPr lang="en-US" smtClean="0"/>
-              <a:t>10/21/2023</a:t>
+              <a:t>10/22/2023</a:t>
             </a:fld>
             <a:endParaRPr lang="en-US"/>
           </a:p>
@@ -1620,7 +1620,7 @@
           <a:p>
             <a:fld id="{846CE7D5-CF57-46EF-B807-FDD0502418D4}" type="datetimeFigureOut">
               <a:rPr lang="en-US" smtClean="0"/>
-              <a:t>10/21/2023</a:t>
+              <a:t>10/22/2023</a:t>
             </a:fld>
             <a:endParaRPr lang="en-US"/>
           </a:p>
@@ -1738,7 +1738,7 @@
           <a:p>
             <a:fld id="{846CE7D5-CF57-46EF-B807-FDD0502418D4}" type="datetimeFigureOut">
               <a:rPr lang="en-US" smtClean="0"/>
-              <a:t>10/21/2023</a:t>
+              <a:t>10/22/2023</a:t>
             </a:fld>
             <a:endParaRPr lang="en-US"/>
           </a:p>
@@ -1833,7 +1833,7 @@
           <a:p>
             <a:fld id="{846CE7D5-CF57-46EF-B807-FDD0502418D4}" type="datetimeFigureOut">
               <a:rPr lang="en-US" smtClean="0"/>
-              <a:t>10/21/2023</a:t>
+              <a:t>10/22/2023</a:t>
             </a:fld>
             <a:endParaRPr lang="en-US"/>
           </a:p>
@@ -2110,7 +2110,7 @@
           <a:p>
             <a:fld id="{846CE7D5-CF57-46EF-B807-FDD0502418D4}" type="datetimeFigureOut">
               <a:rPr lang="en-US" smtClean="0"/>
-              <a:t>10/21/2023</a:t>
+              <a:t>10/22/2023</a:t>
             </a:fld>
             <a:endParaRPr lang="en-US"/>
           </a:p>
@@ -2367,7 +2367,7 @@
           <a:p>
             <a:fld id="{846CE7D5-CF57-46EF-B807-FDD0502418D4}" type="datetimeFigureOut">
               <a:rPr lang="en-US" smtClean="0"/>
-              <a:t>10/21/2023</a:t>
+              <a:t>10/22/2023</a:t>
             </a:fld>
             <a:endParaRPr lang="en-US"/>
           </a:p>
@@ -2580,7 +2580,7 @@
           <a:p>
             <a:fld id="{846CE7D5-CF57-46EF-B807-FDD0502418D4}" type="datetimeFigureOut">
               <a:rPr lang="en-US" smtClean="0"/>
-              <a:t>10/21/2023</a:t>
+              <a:t>10/22/2023</a:t>
             </a:fld>
             <a:endParaRPr lang="en-US"/>
           </a:p>
@@ -3483,7 +3483,15 @@
           <a:p>
             <a:r>
               <a:rPr lang="en-US" dirty="0"/>
-              <a:t>We plan to add more features and functionalities to our app, such as allowing users to rate their friends, providing feedback and suggestions for improvement, and expanding the app to other campuses and communities.</a:t>
+              <a:t>We plan to add more features and functionalities to our app, such as interfacing with the FDA </a:t>
+            </a:r>
+            <a:r>
+              <a:rPr lang="en-US" dirty="0" err="1"/>
+              <a:t>FoodData</a:t>
+            </a:r>
+            <a:r>
+              <a:rPr lang="en-US" dirty="0"/>
+              <a:t> database, allowing users to scan barcodes of packaged food, and deploying cross-platform to Android and web.</a:t>
             </a:r>
           </a:p>
         </p:txBody>

--- a/HackPSU.pptx
+++ b/HackPSU.pptx
@@ -8,7 +8,7 @@
     <p:sldId id="257" r:id="rId2"/>
   </p:sldIdLst>
   <p:sldSz cx="12192000" cy="6858000"/>
-  <p:notesSz cx="6858000" cy="9144000"/>
+  <p:notesSz cx="7315200" cy="9601200"/>
   <p:defaultTextStyle>
     <a:defPPr>
       <a:defRPr lang="en-US"/>
@@ -3409,7 +3409,7 @@
         </p:nvSpPr>
         <p:spPr>
           <a:xfrm>
-            <a:off x="6066138" y="4919008"/>
+            <a:off x="6080554" y="5042118"/>
             <a:ext cx="6125862" cy="1815882"/>
           </a:xfrm>
           <a:prstGeom prst="rect">
@@ -3465,8 +3465,8 @@
         </p:nvSpPr>
         <p:spPr>
           <a:xfrm>
-            <a:off x="6066138" y="3734981"/>
-            <a:ext cx="6125862" cy="1200329"/>
+            <a:off x="6011562" y="3821559"/>
+            <a:ext cx="6202062" cy="1220560"/>
           </a:xfrm>
           <a:prstGeom prst="rect">
             <a:avLst/>
